--- a/presentation/2015180019_yushin presentation3.pptx
+++ b/presentation/2015180019_yushin presentation3.pptx
@@ -2,10 +2,10 @@
 <file path=ppt/presentation.xml><?xml version="1.0" encoding="utf-8"?>
 <p:presentation xmlns:a="http://schemas.openxmlformats.org/drawingml/2006/main" xmlns:r="http://schemas.openxmlformats.org/officeDocument/2006/relationships" xmlns:p="http://schemas.openxmlformats.org/presentationml/2006/main" saveSubsetFonts="1">
   <p:sldMasterIdLst>
-    <p:sldMasterId id="2147483676" r:id="rId1"/>
+    <p:sldMasterId id="2147483678" r:id="rId13"/>
   </p:sldMasterIdLst>
   <p:sldIdLst>
-    <p:sldId id="256" r:id="rId2"/>
+    <p:sldId id="256" r:id="rId15"/>
   </p:sldIdLst>
   <p:sldSz cx="9144000" cy="5143500"/>
   <p:notesSz cx="6858000" cy="9144000"/>
@@ -5367,7 +5367,7 @@
 </file>
 
 <file path=ppt/slides/slide1.xml><?xml version="1.0" encoding="utf-8"?>
-<p:sld xmlns:a="http://schemas.openxmlformats.org/drawingml/2006/main" xmlns:r="http://schemas.openxmlformats.org/officeDocument/2006/relationships" xmlns:p="http://schemas.openxmlformats.org/presentationml/2006/main" show="1">
+<p:sld xmlns:a="http://schemas.openxmlformats.org/drawingml/2006/main" xmlns:r="http://schemas.openxmlformats.org/officeDocument/2006/relationships" xmlns:p="http://schemas.openxmlformats.org/presentationml/2006/main">
   <p:cSld>
     <p:spTree>
       <p:nvGrpSpPr>
@@ -5616,7 +5616,7 @@
                     <a:bodyPr/>
                     <a:lstStyle/>
                     <a:p>
-                      <a:pPr marL="0" indent="0" algn="ctr" fontAlgn="auto" defTabSz="914400">
+                      <a:pPr marL="0" indent="0" algn="ctr" fontAlgn="auto" defTabSz="914400" eaLnBrk="0">
                         <a:lnSpc>
                           <a:spcPct val="100000"/>
                         </a:lnSpc>
@@ -6558,7 +6558,43 @@
                           <a:latin typeface="휴먼둥근헤드라인" charset="0"/>
                           <a:ea typeface="휴먼둥근헤드라인" charset="0"/>
                         </a:rPr>
-                        <a:t>모습</a:t>
+                        <a:t>모습,</a:t>
+                      </a:r>
+                      <a:endParaRPr lang="ko-KR" altLang="en-US" sz="1100" dirty="0" smtClean="0">
+                        <a:solidFill>
+                          <a:srgbClr val="4F81BD">
+                            <a:lumMod val="50000"/>
+                          </a:srgbClr>
+                        </a:solidFill>
+                        <a:latin typeface="휴먼둥근헤드라인" charset="0"/>
+                        <a:ea typeface="휴먼둥근헤드라인" charset="0"/>
+                      </a:endParaRPr>
+                    </a:p>
+                    <a:p>
+                      <a:pPr marL="0" indent="0" algn="ctr" fontAlgn="auto" defTabSz="914400" eaLnBrk="0">
+                        <a:lnSpc>
+                          <a:spcPct val="100000"/>
+                        </a:lnSpc>
+                        <a:spcBef>
+                          <a:spcPts val="0"/>
+                        </a:spcBef>
+                        <a:spcAft>
+                          <a:spcPts val="0"/>
+                        </a:spcAft>
+                        <a:buFontTx/>
+                        <a:buNone/>
+                      </a:pPr>
+                      <a:r>
+                        <a:rPr lang="en-US" altLang="ko-KR" sz="1100" dirty="0" smtClean="0">
+                          <a:solidFill>
+                            <a:srgbClr val="4F81BD">
+                              <a:lumMod val="50000"/>
+                            </a:srgbClr>
+                          </a:solidFill>
+                          <a:latin typeface="휴먼둥근헤드라인" charset="0"/>
+                          <a:ea typeface="휴먼둥근헤드라인" charset="0"/>
+                        </a:rPr>
+                        <a:t>비행기가 올라가고 내려가는 모습</a:t>
                       </a:r>
                       <a:endParaRPr lang="ko-KR" altLang="en-US" sz="1100" dirty="0" smtClean="0">
                         <a:solidFill>
@@ -6747,7 +6783,43 @@
                           <a:latin typeface="휴먼둥근헤드라인" charset="0"/>
                           <a:ea typeface="휴먼둥근헤드라인" charset="0"/>
                         </a:rPr>
-                        <a:t>모습</a:t>
+                        <a:t>모습,</a:t>
+                      </a:r>
+                      <a:endParaRPr lang="ko-KR" altLang="en-US" sz="1100" dirty="0" smtClean="0">
+                        <a:solidFill>
+                          <a:srgbClr val="4F81BD">
+                            <a:lumMod val="50000"/>
+                          </a:srgbClr>
+                        </a:solidFill>
+                        <a:latin typeface="휴먼둥근헤드라인" charset="0"/>
+                        <a:ea typeface="휴먼둥근헤드라인" charset="0"/>
+                      </a:endParaRPr>
+                    </a:p>
+                    <a:p>
+                      <a:pPr marL="0" indent="0" algn="ctr" fontAlgn="auto" defTabSz="914400" eaLnBrk="0">
+                        <a:lnSpc>
+                          <a:spcPct val="100000"/>
+                        </a:lnSpc>
+                        <a:spcBef>
+                          <a:spcPts val="0"/>
+                        </a:spcBef>
+                        <a:spcAft>
+                          <a:spcPts val="0"/>
+                        </a:spcAft>
+                        <a:buFontTx/>
+                        <a:buNone/>
+                      </a:pPr>
+                      <a:r>
+                        <a:rPr lang="en-US" altLang="ko-KR" sz="1100" dirty="0" smtClean="0">
+                          <a:solidFill>
+                            <a:srgbClr val="4F81BD">
+                              <a:lumMod val="50000"/>
+                            </a:srgbClr>
+                          </a:solidFill>
+                          <a:latin typeface="휴먼둥근헤드라인" charset="0"/>
+                          <a:ea typeface="휴먼둥근헤드라인" charset="0"/>
+                        </a:rPr>
+                        <a:t>비행기가 올라가고 내려가는 모습</a:t>
                       </a:r>
                       <a:endParaRPr lang="ko-KR" altLang="en-US" sz="1100" dirty="0" smtClean="0">
                         <a:solidFill>
@@ -8404,7 +8476,7 @@
                     <a:bodyPr/>
                     <a:lstStyle/>
                     <a:p>
-                      <a:pPr marL="0" indent="0" algn="ctr" fontAlgn="auto" defTabSz="914400">
+                      <a:pPr marL="0" indent="0" algn="ctr" fontAlgn="auto" defTabSz="914400" eaLnBrk="0">
                         <a:lnSpc>
                           <a:spcPct val="100000"/>
                         </a:lnSpc>
@@ -8440,7 +8512,7 @@
                       </a:endParaRPr>
                     </a:p>
                     <a:p>
-                      <a:pPr marL="0" indent="0" algn="ctr" fontAlgn="auto" defTabSz="914400">
+                      <a:pPr marL="0" indent="0" algn="ctr" fontAlgn="auto" defTabSz="914400" eaLnBrk="0">
                         <a:lnSpc>
                           <a:spcPct val="100000"/>
                         </a:lnSpc>
@@ -8521,7 +8593,7 @@
                     <a:bodyPr/>
                     <a:lstStyle/>
                     <a:p>
-                      <a:pPr marL="0" indent="0" algn="ctr" fontAlgn="auto" defTabSz="914400">
+                      <a:pPr marL="0" indent="0" algn="ctr" fontAlgn="auto" defTabSz="914400" eaLnBrk="0">
                         <a:lnSpc>
                           <a:spcPct val="100000"/>
                         </a:lnSpc>
@@ -8689,7 +8761,7 @@
                       </a:endParaRPr>
                     </a:p>
                     <a:p>
-                      <a:pPr marL="0" indent="0" algn="ctr" fontAlgn="auto" defTabSz="914400">
+                      <a:pPr marL="0" indent="0" algn="ctr" fontAlgn="auto" defTabSz="914400" eaLnBrk="0">
                         <a:lnSpc>
                           <a:spcPct val="100000"/>
                         </a:lnSpc>
@@ -8770,7 +8842,7 @@
                     <a:bodyPr/>
                     <a:lstStyle/>
                     <a:p>
-                      <a:pPr marL="0" indent="0" algn="ctr" fontAlgn="auto" defTabSz="914400">
+                      <a:pPr marL="0" indent="0" algn="ctr" fontAlgn="auto" defTabSz="914400" eaLnBrk="0">
                         <a:lnSpc>
                           <a:spcPct val="100000"/>
                         </a:lnSpc>
@@ -8911,7 +8983,7 @@
                     <a:bodyPr/>
                     <a:lstStyle/>
                     <a:p>
-                      <a:pPr marL="0" indent="0" algn="ctr" fontAlgn="auto" defTabSz="914400">
+                      <a:pPr marL="0" indent="0" algn="ctr" fontAlgn="auto" defTabSz="914400" eaLnBrk="0">
                         <a:lnSpc>
                           <a:spcPct val="100000"/>
                         </a:lnSpc>
@@ -9006,7 +9078,7 @@
                     <a:bodyPr/>
                     <a:lstStyle/>
                     <a:p>
-                      <a:pPr marL="0" indent="0" algn="ctr" fontAlgn="auto" defTabSz="914400">
+                      <a:pPr marL="0" indent="0" algn="ctr" fontAlgn="auto" defTabSz="914400" eaLnBrk="0">
                         <a:lnSpc>
                           <a:spcPct val="100000"/>
                         </a:lnSpc>
@@ -9877,12 +9949,19 @@
   </p:clrMapOvr>
   <mc:AlternateContent xmlns:mc="http://schemas.openxmlformats.org/markup-compatibility/2006">
     <mc:Choice xmlns:p14="http://schemas.microsoft.com/office/powerpoint/2010/main" Requires="p14">
-      <p:transition spd="slow" p14:dur="0"/>
+      <p:transition spd="slow" p14:dur="1000"/>
     </mc:Choice>
     <mc:Fallback>
       <p:transition spd="slow"/>
     </mc:Fallback>
   </mc:AlternateContent>
+  <p:timing>
+    <p:tnLst>
+      <p:par>
+        <p:cTn id="1" dur="indefinite" restart="never" nodeType="tmRoot"/>
+      </p:par>
+    </p:tnLst>
+  </p:timing>
 </p:sld>
 </file>
 
